--- a/assets/img/postsimg/20250603/images.pptx
+++ b/assets/img/postsimg/20250603/images.pptx
@@ -5,7 +5,7 @@
     <p:sldMasterId id="2147483648" r:id="rId1"/>
   </p:sldMasterIdLst>
   <p:notesMasterIdLst>
-    <p:notesMasterId r:id="rId8"/>
+    <p:notesMasterId r:id="rId9"/>
   </p:notesMasterIdLst>
   <p:sldIdLst>
     <p:sldId id="256" r:id="rId2"/>
@@ -14,6 +14,7 @@
     <p:sldId id="259" r:id="rId5"/>
     <p:sldId id="260" r:id="rId6"/>
     <p:sldId id="261" r:id="rId7"/>
+    <p:sldId id="262" r:id="rId8"/>
   </p:sldIdLst>
   <p:sldSz cx="12192000" cy="6858000"/>
   <p:notesSz cx="6858000" cy="9144000"/>
@@ -202,7 +203,7 @@
           <a:p>
             <a:fld id="{A20AF2B6-C144-462B-A222-89E8CA1C0D6A}" type="datetimeFigureOut">
               <a:rPr lang="zh-CN" altLang="en-US" smtClean="0"/>
-              <a:t>2025/6/4</a:t>
+              <a:t>2025/6/5</a:t>
             </a:fld>
             <a:endParaRPr lang="zh-CN" altLang="en-US"/>
           </a:p>
@@ -700,7 +701,7 @@
           <a:p>
             <a:fld id="{19ACC2C2-41CB-4CC0-9EAA-9FDCFA355A1F}" type="datetimeFigureOut">
               <a:rPr lang="zh-CN" altLang="en-US" smtClean="0"/>
-              <a:t>2025/6/4</a:t>
+              <a:t>2025/6/5</a:t>
             </a:fld>
             <a:endParaRPr lang="zh-CN" altLang="en-US"/>
           </a:p>
@@ -898,7 +899,7 @@
           <a:p>
             <a:fld id="{19ACC2C2-41CB-4CC0-9EAA-9FDCFA355A1F}" type="datetimeFigureOut">
               <a:rPr lang="zh-CN" altLang="en-US" smtClean="0"/>
-              <a:t>2025/6/4</a:t>
+              <a:t>2025/6/5</a:t>
             </a:fld>
             <a:endParaRPr lang="zh-CN" altLang="en-US"/>
           </a:p>
@@ -1106,7 +1107,7 @@
           <a:p>
             <a:fld id="{19ACC2C2-41CB-4CC0-9EAA-9FDCFA355A1F}" type="datetimeFigureOut">
               <a:rPr lang="zh-CN" altLang="en-US" smtClean="0"/>
-              <a:t>2025/6/4</a:t>
+              <a:t>2025/6/5</a:t>
             </a:fld>
             <a:endParaRPr lang="zh-CN" altLang="en-US"/>
           </a:p>
@@ -1304,7 +1305,7 @@
           <a:p>
             <a:fld id="{19ACC2C2-41CB-4CC0-9EAA-9FDCFA355A1F}" type="datetimeFigureOut">
               <a:rPr lang="zh-CN" altLang="en-US" smtClean="0"/>
-              <a:t>2025/6/4</a:t>
+              <a:t>2025/6/5</a:t>
             </a:fld>
             <a:endParaRPr lang="zh-CN" altLang="en-US"/>
           </a:p>
@@ -1579,7 +1580,7 @@
           <a:p>
             <a:fld id="{19ACC2C2-41CB-4CC0-9EAA-9FDCFA355A1F}" type="datetimeFigureOut">
               <a:rPr lang="zh-CN" altLang="en-US" smtClean="0"/>
-              <a:t>2025/6/4</a:t>
+              <a:t>2025/6/5</a:t>
             </a:fld>
             <a:endParaRPr lang="zh-CN" altLang="en-US"/>
           </a:p>
@@ -1844,7 +1845,7 @@
           <a:p>
             <a:fld id="{19ACC2C2-41CB-4CC0-9EAA-9FDCFA355A1F}" type="datetimeFigureOut">
               <a:rPr lang="zh-CN" altLang="en-US" smtClean="0"/>
-              <a:t>2025/6/4</a:t>
+              <a:t>2025/6/5</a:t>
             </a:fld>
             <a:endParaRPr lang="zh-CN" altLang="en-US"/>
           </a:p>
@@ -2256,7 +2257,7 @@
           <a:p>
             <a:fld id="{19ACC2C2-41CB-4CC0-9EAA-9FDCFA355A1F}" type="datetimeFigureOut">
               <a:rPr lang="zh-CN" altLang="en-US" smtClean="0"/>
-              <a:t>2025/6/4</a:t>
+              <a:t>2025/6/5</a:t>
             </a:fld>
             <a:endParaRPr lang="zh-CN" altLang="en-US"/>
           </a:p>
@@ -2397,7 +2398,7 @@
           <a:p>
             <a:fld id="{19ACC2C2-41CB-4CC0-9EAA-9FDCFA355A1F}" type="datetimeFigureOut">
               <a:rPr lang="zh-CN" altLang="en-US" smtClean="0"/>
-              <a:t>2025/6/4</a:t>
+              <a:t>2025/6/5</a:t>
             </a:fld>
             <a:endParaRPr lang="zh-CN" altLang="en-US"/>
           </a:p>
@@ -2510,7 +2511,7 @@
           <a:p>
             <a:fld id="{19ACC2C2-41CB-4CC0-9EAA-9FDCFA355A1F}" type="datetimeFigureOut">
               <a:rPr lang="zh-CN" altLang="en-US" smtClean="0"/>
-              <a:t>2025/6/4</a:t>
+              <a:t>2025/6/5</a:t>
             </a:fld>
             <a:endParaRPr lang="zh-CN" altLang="en-US"/>
           </a:p>
@@ -2821,7 +2822,7 @@
           <a:p>
             <a:fld id="{19ACC2C2-41CB-4CC0-9EAA-9FDCFA355A1F}" type="datetimeFigureOut">
               <a:rPr lang="zh-CN" altLang="en-US" smtClean="0"/>
-              <a:t>2025/6/4</a:t>
+              <a:t>2025/6/5</a:t>
             </a:fld>
             <a:endParaRPr lang="zh-CN" altLang="en-US"/>
           </a:p>
@@ -3109,7 +3110,7 @@
           <a:p>
             <a:fld id="{19ACC2C2-41CB-4CC0-9EAA-9FDCFA355A1F}" type="datetimeFigureOut">
               <a:rPr lang="zh-CN" altLang="en-US" smtClean="0"/>
-              <a:t>2025/6/4</a:t>
+              <a:t>2025/6/5</a:t>
             </a:fld>
             <a:endParaRPr lang="zh-CN" altLang="en-US"/>
           </a:p>
@@ -3350,7 +3351,7 @@
           <a:p>
             <a:fld id="{19ACC2C2-41CB-4CC0-9EAA-9FDCFA355A1F}" type="datetimeFigureOut">
               <a:rPr lang="zh-CN" altLang="en-US" smtClean="0"/>
-              <a:t>2025/6/4</a:t>
+              <a:t>2025/6/5</a:t>
             </a:fld>
             <a:endParaRPr lang="zh-CN" altLang="en-US"/>
           </a:p>
@@ -8694,6 +8695,1735 @@
 </p:sld>
 </file>
 
+<file path=ppt/slides/slide7.xml><?xml version="1.0" encoding="utf-8"?>
+<p:sld xmlns:a="http://schemas.openxmlformats.org/drawingml/2006/main" xmlns:r="http://schemas.openxmlformats.org/officeDocument/2006/relationships" xmlns:p="http://schemas.openxmlformats.org/presentationml/2006/main">
+  <p:cSld>
+    <p:spTree>
+      <p:nvGrpSpPr>
+        <p:cNvPr id="1" name=""/>
+        <p:cNvGrpSpPr/>
+        <p:nvPr/>
+      </p:nvGrpSpPr>
+      <p:grpSpPr>
+        <a:xfrm>
+          <a:off x="0" y="0"/>
+          <a:ext cx="0" cy="0"/>
+          <a:chOff x="0" y="0"/>
+          <a:chExt cx="0" cy="0"/>
+        </a:xfrm>
+      </p:grpSpPr>
+      <p:sp>
+        <p:nvSpPr>
+          <p:cNvPr id="5" name="椭圆 4">
+            <a:extLst>
+              <a:ext uri="{FF2B5EF4-FFF2-40B4-BE49-F238E27FC236}">
+                <a16:creationId xmlns:a16="http://schemas.microsoft.com/office/drawing/2014/main" id="{FE369C67-E005-EBC7-9C70-2AC3FE280279}"/>
+              </a:ext>
+            </a:extLst>
+          </p:cNvPr>
+          <p:cNvSpPr/>
+          <p:nvPr/>
+        </p:nvSpPr>
+        <p:spPr>
+          <a:xfrm>
+            <a:off x="5263003" y="1865390"/>
+            <a:ext cx="1192694" cy="920367"/>
+          </a:xfrm>
+          <a:prstGeom prst="ellipse">
+            <a:avLst/>
+          </a:prstGeom>
+          <a:noFill/>
+          <a:ln w="28575">
+            <a:solidFill>
+              <a:schemeClr val="tx1"/>
+            </a:solidFill>
+          </a:ln>
+        </p:spPr>
+        <p:style>
+          <a:lnRef idx="2">
+            <a:schemeClr val="accent1">
+              <a:shade val="15000"/>
+            </a:schemeClr>
+          </a:lnRef>
+          <a:fillRef idx="1">
+            <a:schemeClr val="accent1"/>
+          </a:fillRef>
+          <a:effectRef idx="0">
+            <a:schemeClr val="accent1"/>
+          </a:effectRef>
+          <a:fontRef idx="minor">
+            <a:schemeClr val="lt1"/>
+          </a:fontRef>
+        </p:style>
+        <p:txBody>
+          <a:bodyPr rtlCol="0" anchor="ctr"/>
+          <a:lstStyle/>
+          <a:p>
+            <a:pPr algn="ctr"/>
+            <a:endParaRPr lang="zh-CN" altLang="en-US"/>
+          </a:p>
+        </p:txBody>
+      </p:sp>
+      <p:graphicFrame>
+        <p:nvGraphicFramePr>
+          <p:cNvPr id="6" name="对象 5">
+            <a:extLst>
+              <a:ext uri="{FF2B5EF4-FFF2-40B4-BE49-F238E27FC236}">
+                <a16:creationId xmlns:a16="http://schemas.microsoft.com/office/drawing/2014/main" id="{F9CD3D7A-F7F2-C11D-BDFD-4415C0DE1ABC}"/>
+              </a:ext>
+            </a:extLst>
+          </p:cNvPr>
+          <p:cNvGraphicFramePr>
+            <a:graphicFrameLocks noChangeAspect="1"/>
+          </p:cNvGraphicFramePr>
+          <p:nvPr>
+            <p:extLst>
+              <p:ext uri="{D42A27DB-BD31-4B8C-83A1-F6EECF244321}">
+                <p14:modId xmlns:p14="http://schemas.microsoft.com/office/powerpoint/2010/main" val="1001205050"/>
+              </p:ext>
+            </p:extLst>
+          </p:nvPr>
+        </p:nvGraphicFramePr>
+        <p:xfrm>
+          <a:off x="5392233" y="2065602"/>
+          <a:ext cx="385167" cy="616267"/>
+        </p:xfrm>
+        <a:graphic>
+          <a:graphicData uri="http://schemas.openxmlformats.org/presentationml/2006/ole">
+            <mc:AlternateContent xmlns:mc="http://schemas.openxmlformats.org/markup-compatibility/2006">
+              <mc:Choice xmlns:v="urn:schemas-microsoft-com:vml" Requires="v">
+                <p:oleObj name="AxMath" r:id="rId2" imgW="118440" imgH="189720" progId="Equation.AxMath">
+                  <p:embed/>
+                </p:oleObj>
+              </mc:Choice>
+              <mc:Fallback>
+                <p:oleObj name="AxMath" r:id="rId2" imgW="118440" imgH="189720" progId="Equation.AxMath">
+                  <p:embed/>
+                  <p:pic>
+                    <p:nvPicPr>
+                      <p:cNvPr id="0" name=""/>
+                      <p:cNvPicPr/>
+                      <p:nvPr/>
+                    </p:nvPicPr>
+                    <p:blipFill>
+                      <a:blip r:embed="rId3"/>
+                      <a:stretch>
+                        <a:fillRect/>
+                      </a:stretch>
+                    </p:blipFill>
+                    <p:spPr>
+                      <a:xfrm>
+                        <a:off x="5392233" y="2065602"/>
+                        <a:ext cx="385167" cy="616267"/>
+                      </a:xfrm>
+                      <a:prstGeom prst="rect">
+                        <a:avLst/>
+                      </a:prstGeom>
+                    </p:spPr>
+                  </p:pic>
+                </p:oleObj>
+              </mc:Fallback>
+            </mc:AlternateContent>
+          </a:graphicData>
+        </a:graphic>
+      </p:graphicFrame>
+      <p:cxnSp>
+        <p:nvCxnSpPr>
+          <p:cNvPr id="9" name="直接连接符 8">
+            <a:extLst>
+              <a:ext uri="{FF2B5EF4-FFF2-40B4-BE49-F238E27FC236}">
+                <a16:creationId xmlns:a16="http://schemas.microsoft.com/office/drawing/2014/main" id="{04F9E958-0FA1-0920-A5EA-F72BEC8EC919}"/>
+              </a:ext>
+            </a:extLst>
+          </p:cNvPr>
+          <p:cNvCxnSpPr>
+            <a:endCxn id="5" idx="2"/>
+          </p:cNvCxnSpPr>
+          <p:nvPr/>
+        </p:nvCxnSpPr>
+        <p:spPr>
+          <a:xfrm>
+            <a:off x="4688090" y="1865390"/>
+            <a:ext cx="574914" cy="460184"/>
+          </a:xfrm>
+          <a:prstGeom prst="line">
+            <a:avLst/>
+          </a:prstGeom>
+          <a:ln w="28575">
+            <a:solidFill>
+              <a:schemeClr val="tx1"/>
+            </a:solidFill>
+          </a:ln>
+        </p:spPr>
+        <p:style>
+          <a:lnRef idx="1">
+            <a:schemeClr val="accent1"/>
+          </a:lnRef>
+          <a:fillRef idx="0">
+            <a:schemeClr val="accent1"/>
+          </a:fillRef>
+          <a:effectRef idx="0">
+            <a:schemeClr val="accent1"/>
+          </a:effectRef>
+          <a:fontRef idx="minor">
+            <a:schemeClr val="tx1"/>
+          </a:fontRef>
+        </p:style>
+      </p:cxnSp>
+      <p:cxnSp>
+        <p:nvCxnSpPr>
+          <p:cNvPr id="10" name="直接连接符 9">
+            <a:extLst>
+              <a:ext uri="{FF2B5EF4-FFF2-40B4-BE49-F238E27FC236}">
+                <a16:creationId xmlns:a16="http://schemas.microsoft.com/office/drawing/2014/main" id="{95E8EEC1-BB80-C3C5-A687-5085D6D8FF0D}"/>
+              </a:ext>
+            </a:extLst>
+          </p:cNvPr>
+          <p:cNvCxnSpPr>
+            <a:cxnSpLocks/>
+            <a:endCxn id="5" idx="2"/>
+          </p:cNvCxnSpPr>
+          <p:nvPr/>
+        </p:nvCxnSpPr>
+        <p:spPr>
+          <a:xfrm>
+            <a:off x="4688090" y="2143644"/>
+            <a:ext cx="574914" cy="181930"/>
+          </a:xfrm>
+          <a:prstGeom prst="line">
+            <a:avLst/>
+          </a:prstGeom>
+          <a:ln w="28575">
+            <a:solidFill>
+              <a:schemeClr val="tx1"/>
+            </a:solidFill>
+          </a:ln>
+        </p:spPr>
+        <p:style>
+          <a:lnRef idx="1">
+            <a:schemeClr val="accent1"/>
+          </a:lnRef>
+          <a:fillRef idx="0">
+            <a:schemeClr val="accent1"/>
+          </a:fillRef>
+          <a:effectRef idx="0">
+            <a:schemeClr val="accent1"/>
+          </a:effectRef>
+          <a:fontRef idx="minor">
+            <a:schemeClr val="tx1"/>
+          </a:fontRef>
+        </p:style>
+      </p:cxnSp>
+      <p:cxnSp>
+        <p:nvCxnSpPr>
+          <p:cNvPr id="12" name="直接连接符 11">
+            <a:extLst>
+              <a:ext uri="{FF2B5EF4-FFF2-40B4-BE49-F238E27FC236}">
+                <a16:creationId xmlns:a16="http://schemas.microsoft.com/office/drawing/2014/main" id="{6EB236DB-2238-574F-B7E4-1B556523E1BD}"/>
+              </a:ext>
+            </a:extLst>
+          </p:cNvPr>
+          <p:cNvCxnSpPr>
+            <a:cxnSpLocks/>
+            <a:endCxn id="5" idx="2"/>
+          </p:cNvCxnSpPr>
+          <p:nvPr/>
+        </p:nvCxnSpPr>
+        <p:spPr>
+          <a:xfrm flipV="1">
+            <a:off x="4713936" y="2325573"/>
+            <a:ext cx="549067" cy="460183"/>
+          </a:xfrm>
+          <a:prstGeom prst="line">
+            <a:avLst/>
+          </a:prstGeom>
+          <a:ln w="28575">
+            <a:solidFill>
+              <a:schemeClr val="tx1"/>
+            </a:solidFill>
+          </a:ln>
+        </p:spPr>
+        <p:style>
+          <a:lnRef idx="1">
+            <a:schemeClr val="accent1"/>
+          </a:lnRef>
+          <a:fillRef idx="0">
+            <a:schemeClr val="accent1"/>
+          </a:fillRef>
+          <a:effectRef idx="0">
+            <a:schemeClr val="accent1"/>
+          </a:effectRef>
+          <a:fontRef idx="minor">
+            <a:schemeClr val="tx1"/>
+          </a:fontRef>
+        </p:style>
+      </p:cxnSp>
+      <p:sp>
+        <p:nvSpPr>
+          <p:cNvPr id="15" name="文本框 14">
+            <a:extLst>
+              <a:ext uri="{FF2B5EF4-FFF2-40B4-BE49-F238E27FC236}">
+                <a16:creationId xmlns:a16="http://schemas.microsoft.com/office/drawing/2014/main" id="{FAF9A9A6-1DD8-FDFF-88A8-8FF9E29883D5}"/>
+              </a:ext>
+            </a:extLst>
+          </p:cNvPr>
+          <p:cNvSpPr txBox="1"/>
+          <p:nvPr/>
+        </p:nvSpPr>
+        <p:spPr>
+          <a:xfrm rot="5400000">
+            <a:off x="4734612" y="2237207"/>
+            <a:ext cx="331066" cy="363594"/>
+          </a:xfrm>
+          <a:prstGeom prst="rect">
+            <a:avLst/>
+          </a:prstGeom>
+          <a:noFill/>
+        </p:spPr>
+        <p:txBody>
+          <a:bodyPr wrap="none" rtlCol="0">
+            <a:spAutoFit/>
+          </a:bodyPr>
+          <a:lstStyle/>
+          <a:p>
+            <a:r>
+              <a:rPr lang="en-US" altLang="zh-CN" sz="2800" dirty="0">
+                <a:latin typeface="微软雅黑" panose="020B0503020204020204" pitchFamily="34" charset="-122"/>
+                <a:ea typeface="微软雅黑" panose="020B0503020204020204" pitchFamily="34" charset="-122"/>
+              </a:rPr>
+              <a:t>…</a:t>
+            </a:r>
+            <a:endParaRPr lang="zh-CN" altLang="en-US" sz="2800" dirty="0">
+              <a:latin typeface="微软雅黑" panose="020B0503020204020204" pitchFamily="34" charset="-122"/>
+              <a:ea typeface="微软雅黑" panose="020B0503020204020204" pitchFamily="34" charset="-122"/>
+            </a:endParaRPr>
+          </a:p>
+        </p:txBody>
+      </p:sp>
+      <p:cxnSp>
+        <p:nvCxnSpPr>
+          <p:cNvPr id="16" name="直接连接符 15">
+            <a:extLst>
+              <a:ext uri="{FF2B5EF4-FFF2-40B4-BE49-F238E27FC236}">
+                <a16:creationId xmlns:a16="http://schemas.microsoft.com/office/drawing/2014/main" id="{42D251CD-3058-D2B0-01E5-975274BBA1F4}"/>
+              </a:ext>
+            </a:extLst>
+          </p:cNvPr>
+          <p:cNvCxnSpPr>
+            <a:cxnSpLocks/>
+            <a:stCxn id="33" idx="6"/>
+          </p:cNvCxnSpPr>
+          <p:nvPr/>
+        </p:nvCxnSpPr>
+        <p:spPr>
+          <a:xfrm>
+            <a:off x="6773965" y="2330616"/>
+            <a:ext cx="473972" cy="0"/>
+          </a:xfrm>
+          <a:prstGeom prst="line">
+            <a:avLst/>
+          </a:prstGeom>
+          <a:ln w="28575">
+            <a:solidFill>
+              <a:schemeClr val="tx1"/>
+            </a:solidFill>
+          </a:ln>
+        </p:spPr>
+        <p:style>
+          <a:lnRef idx="1">
+            <a:schemeClr val="accent1"/>
+          </a:lnRef>
+          <a:fillRef idx="0">
+            <a:schemeClr val="accent1"/>
+          </a:fillRef>
+          <a:effectRef idx="0">
+            <a:schemeClr val="accent1"/>
+          </a:effectRef>
+          <a:fontRef idx="minor">
+            <a:schemeClr val="tx1"/>
+          </a:fontRef>
+        </p:style>
+      </p:cxnSp>
+      <p:sp>
+        <p:nvSpPr>
+          <p:cNvPr id="18" name="椭圆 17">
+            <a:extLst>
+              <a:ext uri="{FF2B5EF4-FFF2-40B4-BE49-F238E27FC236}">
+                <a16:creationId xmlns:a16="http://schemas.microsoft.com/office/drawing/2014/main" id="{067E0ABC-A120-26A6-B0F1-D5F35ECB8946}"/>
+              </a:ext>
+            </a:extLst>
+          </p:cNvPr>
+          <p:cNvSpPr/>
+          <p:nvPr/>
+        </p:nvSpPr>
+        <p:spPr>
+          <a:xfrm>
+            <a:off x="6726472" y="3321435"/>
+            <a:ext cx="910280" cy="910280"/>
+          </a:xfrm>
+          <a:prstGeom prst="ellipse">
+            <a:avLst/>
+          </a:prstGeom>
+          <a:solidFill>
+            <a:schemeClr val="bg1"/>
+          </a:solidFill>
+          <a:ln w="28575">
+            <a:solidFill>
+              <a:schemeClr val="tx1"/>
+            </a:solidFill>
+          </a:ln>
+        </p:spPr>
+        <p:style>
+          <a:lnRef idx="2">
+            <a:schemeClr val="accent1">
+              <a:shade val="15000"/>
+            </a:schemeClr>
+          </a:lnRef>
+          <a:fillRef idx="1">
+            <a:schemeClr val="accent1"/>
+          </a:fillRef>
+          <a:effectRef idx="0">
+            <a:schemeClr val="accent1"/>
+          </a:effectRef>
+          <a:fontRef idx="minor">
+            <a:schemeClr val="lt1"/>
+          </a:fontRef>
+        </p:style>
+        <p:txBody>
+          <a:bodyPr rtlCol="0" anchor="ctr"/>
+          <a:lstStyle/>
+          <a:p>
+            <a:pPr algn="ctr"/>
+            <a:endParaRPr lang="zh-CN" altLang="en-US"/>
+          </a:p>
+        </p:txBody>
+      </p:sp>
+      <p:sp>
+        <p:nvSpPr>
+          <p:cNvPr id="19" name="椭圆 18">
+            <a:extLst>
+              <a:ext uri="{FF2B5EF4-FFF2-40B4-BE49-F238E27FC236}">
+                <a16:creationId xmlns:a16="http://schemas.microsoft.com/office/drawing/2014/main" id="{C4ACA95C-EAE3-A435-B6E9-7DE5C0FF5E0E}"/>
+              </a:ext>
+            </a:extLst>
+          </p:cNvPr>
+          <p:cNvSpPr/>
+          <p:nvPr/>
+        </p:nvSpPr>
+        <p:spPr>
+          <a:xfrm>
+            <a:off x="5571348" y="3321435"/>
+            <a:ext cx="910280" cy="910280"/>
+          </a:xfrm>
+          <a:prstGeom prst="ellipse">
+            <a:avLst/>
+          </a:prstGeom>
+          <a:solidFill>
+            <a:schemeClr val="bg1"/>
+          </a:solidFill>
+          <a:ln w="28575">
+            <a:solidFill>
+              <a:schemeClr val="tx1"/>
+            </a:solidFill>
+          </a:ln>
+        </p:spPr>
+        <p:style>
+          <a:lnRef idx="2">
+            <a:schemeClr val="accent1">
+              <a:shade val="15000"/>
+            </a:schemeClr>
+          </a:lnRef>
+          <a:fillRef idx="1">
+            <a:schemeClr val="accent1"/>
+          </a:fillRef>
+          <a:effectRef idx="0">
+            <a:schemeClr val="accent1"/>
+          </a:effectRef>
+          <a:fontRef idx="minor">
+            <a:schemeClr val="lt1"/>
+          </a:fontRef>
+        </p:style>
+        <p:txBody>
+          <a:bodyPr rtlCol="0" anchor="ctr"/>
+          <a:lstStyle/>
+          <a:p>
+            <a:pPr algn="ctr"/>
+            <a:endParaRPr lang="zh-CN" altLang="en-US"/>
+          </a:p>
+        </p:txBody>
+      </p:sp>
+      <p:sp>
+        <p:nvSpPr>
+          <p:cNvPr id="20" name="椭圆 19">
+            <a:extLst>
+              <a:ext uri="{FF2B5EF4-FFF2-40B4-BE49-F238E27FC236}">
+                <a16:creationId xmlns:a16="http://schemas.microsoft.com/office/drawing/2014/main" id="{14A76D23-42BB-C7E0-2EA4-7D7F758B62CF}"/>
+              </a:ext>
+            </a:extLst>
+          </p:cNvPr>
+          <p:cNvSpPr/>
+          <p:nvPr/>
+        </p:nvSpPr>
+        <p:spPr>
+          <a:xfrm>
+            <a:off x="4416224" y="3321435"/>
+            <a:ext cx="910280" cy="910280"/>
+          </a:xfrm>
+          <a:prstGeom prst="ellipse">
+            <a:avLst/>
+          </a:prstGeom>
+          <a:solidFill>
+            <a:schemeClr val="bg1"/>
+          </a:solidFill>
+          <a:ln w="28575">
+            <a:solidFill>
+              <a:schemeClr val="tx1"/>
+            </a:solidFill>
+          </a:ln>
+        </p:spPr>
+        <p:style>
+          <a:lnRef idx="2">
+            <a:schemeClr val="accent1">
+              <a:shade val="15000"/>
+            </a:schemeClr>
+          </a:lnRef>
+          <a:fillRef idx="1">
+            <a:schemeClr val="accent1"/>
+          </a:fillRef>
+          <a:effectRef idx="0">
+            <a:schemeClr val="accent1"/>
+          </a:effectRef>
+          <a:fontRef idx="minor">
+            <a:schemeClr val="lt1"/>
+          </a:fontRef>
+        </p:style>
+        <p:txBody>
+          <a:bodyPr rtlCol="0" anchor="ctr"/>
+          <a:lstStyle/>
+          <a:p>
+            <a:pPr algn="ctr"/>
+            <a:endParaRPr lang="zh-CN" altLang="en-US"/>
+          </a:p>
+        </p:txBody>
+      </p:sp>
+      <p:graphicFrame>
+        <p:nvGraphicFramePr>
+          <p:cNvPr id="21" name="对象 20">
+            <a:extLst>
+              <a:ext uri="{FF2B5EF4-FFF2-40B4-BE49-F238E27FC236}">
+                <a16:creationId xmlns:a16="http://schemas.microsoft.com/office/drawing/2014/main" id="{346BAF31-094D-4DA3-055E-2E8B24ED38A7}"/>
+              </a:ext>
+            </a:extLst>
+          </p:cNvPr>
+          <p:cNvGraphicFramePr>
+            <a:graphicFrameLocks noChangeAspect="1"/>
+          </p:cNvGraphicFramePr>
+          <p:nvPr>
+            <p:extLst>
+              <p:ext uri="{D42A27DB-BD31-4B8C-83A1-F6EECF244321}">
+                <p14:modId xmlns:p14="http://schemas.microsoft.com/office/powerpoint/2010/main" val="1183880308"/>
+              </p:ext>
+            </p:extLst>
+          </p:nvPr>
+        </p:nvGraphicFramePr>
+        <p:xfrm>
+          <a:off x="4705589" y="3508786"/>
+          <a:ext cx="385167" cy="616267"/>
+        </p:xfrm>
+        <a:graphic>
+          <a:graphicData uri="http://schemas.openxmlformats.org/presentationml/2006/ole">
+            <mc:AlternateContent xmlns:mc="http://schemas.openxmlformats.org/markup-compatibility/2006">
+              <mc:Choice xmlns:v="urn:schemas-microsoft-com:vml" Requires="v">
+                <p:oleObj name="AxMath" r:id="rId2" imgW="118440" imgH="189720" progId="Equation.AxMath">
+                  <p:embed/>
+                </p:oleObj>
+              </mc:Choice>
+              <mc:Fallback>
+                <p:oleObj name="AxMath" r:id="rId2" imgW="118440" imgH="189720" progId="Equation.AxMath">
+                  <p:embed/>
+                  <p:pic>
+                    <p:nvPicPr>
+                      <p:cNvPr id="6" name="对象 5">
+                        <a:extLst>
+                          <a:ext uri="{FF2B5EF4-FFF2-40B4-BE49-F238E27FC236}">
+                            <a16:creationId xmlns:a16="http://schemas.microsoft.com/office/drawing/2014/main" id="{F9CD3D7A-F7F2-C11D-BDFD-4415C0DE1ABC}"/>
+                          </a:ext>
+                        </a:extLst>
+                      </p:cNvPr>
+                      <p:cNvPicPr/>
+                      <p:nvPr/>
+                    </p:nvPicPr>
+                    <p:blipFill>
+                      <a:blip r:embed="rId3"/>
+                      <a:stretch>
+                        <a:fillRect/>
+                      </a:stretch>
+                    </p:blipFill>
+                    <p:spPr>
+                      <a:xfrm>
+                        <a:off x="4705589" y="3508786"/>
+                        <a:ext cx="385167" cy="616267"/>
+                      </a:xfrm>
+                      <a:prstGeom prst="rect">
+                        <a:avLst/>
+                      </a:prstGeom>
+                    </p:spPr>
+                  </p:pic>
+                </p:oleObj>
+              </mc:Fallback>
+            </mc:AlternateContent>
+          </a:graphicData>
+        </a:graphic>
+      </p:graphicFrame>
+      <p:graphicFrame>
+        <p:nvGraphicFramePr>
+          <p:cNvPr id="22" name="对象 21">
+            <a:extLst>
+              <a:ext uri="{FF2B5EF4-FFF2-40B4-BE49-F238E27FC236}">
+                <a16:creationId xmlns:a16="http://schemas.microsoft.com/office/drawing/2014/main" id="{52E33B7A-C7CC-A46B-BE40-CC52FE8EE6B3}"/>
+              </a:ext>
+            </a:extLst>
+          </p:cNvPr>
+          <p:cNvGraphicFramePr>
+            <a:graphicFrameLocks noChangeAspect="1"/>
+          </p:cNvGraphicFramePr>
+          <p:nvPr>
+            <p:extLst>
+              <p:ext uri="{D42A27DB-BD31-4B8C-83A1-F6EECF244321}">
+                <p14:modId xmlns:p14="http://schemas.microsoft.com/office/powerpoint/2010/main" val="3272964018"/>
+              </p:ext>
+            </p:extLst>
+          </p:nvPr>
+        </p:nvGraphicFramePr>
+        <p:xfrm>
+          <a:off x="7016924" y="3508976"/>
+          <a:ext cx="328747" cy="615574"/>
+        </p:xfrm>
+        <a:graphic>
+          <a:graphicData uri="http://schemas.openxmlformats.org/presentationml/2006/ole">
+            <mc:AlternateContent xmlns:mc="http://schemas.openxmlformats.org/markup-compatibility/2006">
+              <mc:Choice xmlns:v="urn:schemas-microsoft-com:vml" Requires="v">
+                <p:oleObj name="AxMath" r:id="rId4" imgW="101520" imgH="189720" progId="Equation.AxMath">
+                  <p:embed/>
+                </p:oleObj>
+              </mc:Choice>
+              <mc:Fallback>
+                <p:oleObj name="AxMath" r:id="rId4" imgW="101520" imgH="189720" progId="Equation.AxMath">
+                  <p:embed/>
+                  <p:pic>
+                    <p:nvPicPr>
+                      <p:cNvPr id="21" name="对象 20">
+                        <a:extLst>
+                          <a:ext uri="{FF2B5EF4-FFF2-40B4-BE49-F238E27FC236}">
+                            <a16:creationId xmlns:a16="http://schemas.microsoft.com/office/drawing/2014/main" id="{346BAF31-094D-4DA3-055E-2E8B24ED38A7}"/>
+                          </a:ext>
+                        </a:extLst>
+                      </p:cNvPr>
+                      <p:cNvPicPr/>
+                      <p:nvPr/>
+                    </p:nvPicPr>
+                    <p:blipFill>
+                      <a:blip r:embed="rId5"/>
+                      <a:stretch>
+                        <a:fillRect/>
+                      </a:stretch>
+                    </p:blipFill>
+                    <p:spPr>
+                      <a:xfrm>
+                        <a:off x="7016924" y="3508976"/>
+                        <a:ext cx="328747" cy="615574"/>
+                      </a:xfrm>
+                      <a:prstGeom prst="rect">
+                        <a:avLst/>
+                      </a:prstGeom>
+                    </p:spPr>
+                  </p:pic>
+                </p:oleObj>
+              </mc:Fallback>
+            </mc:AlternateContent>
+          </a:graphicData>
+        </a:graphic>
+      </p:graphicFrame>
+      <p:graphicFrame>
+        <p:nvGraphicFramePr>
+          <p:cNvPr id="23" name="对象 22">
+            <a:extLst>
+              <a:ext uri="{FF2B5EF4-FFF2-40B4-BE49-F238E27FC236}">
+                <a16:creationId xmlns:a16="http://schemas.microsoft.com/office/drawing/2014/main" id="{353ADC6B-C7EB-1C69-A916-7078DC19EFF7}"/>
+              </a:ext>
+            </a:extLst>
+          </p:cNvPr>
+          <p:cNvGraphicFramePr>
+            <a:graphicFrameLocks noChangeAspect="1"/>
+          </p:cNvGraphicFramePr>
+          <p:nvPr>
+            <p:extLst>
+              <p:ext uri="{D42A27DB-BD31-4B8C-83A1-F6EECF244321}">
+                <p14:modId xmlns:p14="http://schemas.microsoft.com/office/powerpoint/2010/main" val="4090955281"/>
+              </p:ext>
+            </p:extLst>
+          </p:nvPr>
+        </p:nvGraphicFramePr>
+        <p:xfrm>
+          <a:off x="5667325" y="3508976"/>
+          <a:ext cx="719273" cy="615574"/>
+        </p:xfrm>
+        <a:graphic>
+          <a:graphicData uri="http://schemas.openxmlformats.org/presentationml/2006/ole">
+            <mc:AlternateContent xmlns:mc="http://schemas.openxmlformats.org/markup-compatibility/2006">
+              <mc:Choice xmlns:v="urn:schemas-microsoft-com:vml" Requires="v">
+                <p:oleObj name="AxMath" r:id="rId6" imgW="222480" imgH="189720" progId="Equation.AxMath">
+                  <p:embed/>
+                </p:oleObj>
+              </mc:Choice>
+              <mc:Fallback>
+                <p:oleObj name="AxMath" r:id="rId6" imgW="222480" imgH="189720" progId="Equation.AxMath">
+                  <p:embed/>
+                  <p:pic>
+                    <p:nvPicPr>
+                      <p:cNvPr id="22" name="对象 21">
+                        <a:extLst>
+                          <a:ext uri="{FF2B5EF4-FFF2-40B4-BE49-F238E27FC236}">
+                            <a16:creationId xmlns:a16="http://schemas.microsoft.com/office/drawing/2014/main" id="{52E33B7A-C7CC-A46B-BE40-CC52FE8EE6B3}"/>
+                          </a:ext>
+                        </a:extLst>
+                      </p:cNvPr>
+                      <p:cNvPicPr/>
+                      <p:nvPr/>
+                    </p:nvPicPr>
+                    <p:blipFill>
+                      <a:blip r:embed="rId7"/>
+                      <a:stretch>
+                        <a:fillRect/>
+                      </a:stretch>
+                    </p:blipFill>
+                    <p:spPr>
+                      <a:xfrm>
+                        <a:off x="5667325" y="3508976"/>
+                        <a:ext cx="719273" cy="615574"/>
+                      </a:xfrm>
+                      <a:prstGeom prst="rect">
+                        <a:avLst/>
+                      </a:prstGeom>
+                    </p:spPr>
+                  </p:pic>
+                </p:oleObj>
+              </mc:Fallback>
+            </mc:AlternateContent>
+          </a:graphicData>
+        </a:graphic>
+      </p:graphicFrame>
+      <p:cxnSp>
+        <p:nvCxnSpPr>
+          <p:cNvPr id="24" name="直接连接符 23">
+            <a:extLst>
+              <a:ext uri="{FF2B5EF4-FFF2-40B4-BE49-F238E27FC236}">
+                <a16:creationId xmlns:a16="http://schemas.microsoft.com/office/drawing/2014/main" id="{E8103A3A-5FFB-6754-D29A-51E269B692E4}"/>
+              </a:ext>
+            </a:extLst>
+          </p:cNvPr>
+          <p:cNvCxnSpPr>
+            <a:cxnSpLocks/>
+            <a:endCxn id="20" idx="2"/>
+          </p:cNvCxnSpPr>
+          <p:nvPr/>
+        </p:nvCxnSpPr>
+        <p:spPr>
+          <a:xfrm>
+            <a:off x="3824763" y="3321435"/>
+            <a:ext cx="591461" cy="455140"/>
+          </a:xfrm>
+          <a:prstGeom prst="line">
+            <a:avLst/>
+          </a:prstGeom>
+          <a:ln w="28575">
+            <a:solidFill>
+              <a:schemeClr val="tx1"/>
+            </a:solidFill>
+          </a:ln>
+        </p:spPr>
+        <p:style>
+          <a:lnRef idx="1">
+            <a:schemeClr val="accent1"/>
+          </a:lnRef>
+          <a:fillRef idx="0">
+            <a:schemeClr val="accent1"/>
+          </a:fillRef>
+          <a:effectRef idx="0">
+            <a:schemeClr val="accent1"/>
+          </a:effectRef>
+          <a:fontRef idx="minor">
+            <a:schemeClr val="tx1"/>
+          </a:fontRef>
+        </p:style>
+      </p:cxnSp>
+      <p:cxnSp>
+        <p:nvCxnSpPr>
+          <p:cNvPr id="25" name="直接连接符 24">
+            <a:extLst>
+              <a:ext uri="{FF2B5EF4-FFF2-40B4-BE49-F238E27FC236}">
+                <a16:creationId xmlns:a16="http://schemas.microsoft.com/office/drawing/2014/main" id="{D62AB0EB-BC82-91A0-CD89-8AFA2FF7F1D7}"/>
+              </a:ext>
+            </a:extLst>
+          </p:cNvPr>
+          <p:cNvCxnSpPr>
+            <a:cxnSpLocks/>
+            <a:endCxn id="20" idx="2"/>
+          </p:cNvCxnSpPr>
+          <p:nvPr/>
+        </p:nvCxnSpPr>
+        <p:spPr>
+          <a:xfrm>
+            <a:off x="3824763" y="3599689"/>
+            <a:ext cx="591461" cy="176886"/>
+          </a:xfrm>
+          <a:prstGeom prst="line">
+            <a:avLst/>
+          </a:prstGeom>
+          <a:ln w="28575">
+            <a:solidFill>
+              <a:schemeClr val="tx1"/>
+            </a:solidFill>
+          </a:ln>
+        </p:spPr>
+        <p:style>
+          <a:lnRef idx="1">
+            <a:schemeClr val="accent1"/>
+          </a:lnRef>
+          <a:fillRef idx="0">
+            <a:schemeClr val="accent1"/>
+          </a:fillRef>
+          <a:effectRef idx="0">
+            <a:schemeClr val="accent1"/>
+          </a:effectRef>
+          <a:fontRef idx="minor">
+            <a:schemeClr val="tx1"/>
+          </a:fontRef>
+        </p:style>
+      </p:cxnSp>
+      <p:cxnSp>
+        <p:nvCxnSpPr>
+          <p:cNvPr id="26" name="直接连接符 25">
+            <a:extLst>
+              <a:ext uri="{FF2B5EF4-FFF2-40B4-BE49-F238E27FC236}">
+                <a16:creationId xmlns:a16="http://schemas.microsoft.com/office/drawing/2014/main" id="{A3A81EFE-BBB3-9B6E-C71A-A6015FD1B230}"/>
+              </a:ext>
+            </a:extLst>
+          </p:cNvPr>
+          <p:cNvCxnSpPr>
+            <a:cxnSpLocks/>
+            <a:endCxn id="20" idx="2"/>
+          </p:cNvCxnSpPr>
+          <p:nvPr/>
+        </p:nvCxnSpPr>
+        <p:spPr>
+          <a:xfrm flipV="1">
+            <a:off x="3850610" y="3776575"/>
+            <a:ext cx="565614" cy="465227"/>
+          </a:xfrm>
+          <a:prstGeom prst="line">
+            <a:avLst/>
+          </a:prstGeom>
+          <a:ln w="28575">
+            <a:solidFill>
+              <a:schemeClr val="tx1"/>
+            </a:solidFill>
+          </a:ln>
+        </p:spPr>
+        <p:style>
+          <a:lnRef idx="1">
+            <a:schemeClr val="accent1"/>
+          </a:lnRef>
+          <a:fillRef idx="0">
+            <a:schemeClr val="accent1"/>
+          </a:fillRef>
+          <a:effectRef idx="0">
+            <a:schemeClr val="accent1"/>
+          </a:effectRef>
+          <a:fontRef idx="minor">
+            <a:schemeClr val="tx1"/>
+          </a:fontRef>
+        </p:style>
+      </p:cxnSp>
+      <p:sp>
+        <p:nvSpPr>
+          <p:cNvPr id="27" name="文本框 26">
+            <a:extLst>
+              <a:ext uri="{FF2B5EF4-FFF2-40B4-BE49-F238E27FC236}">
+                <a16:creationId xmlns:a16="http://schemas.microsoft.com/office/drawing/2014/main" id="{990386AC-1F4F-8D50-D68F-C0A572DA9D29}"/>
+              </a:ext>
+            </a:extLst>
+          </p:cNvPr>
+          <p:cNvSpPr txBox="1"/>
+          <p:nvPr/>
+        </p:nvSpPr>
+        <p:spPr>
+          <a:xfrm rot="5400000">
+            <a:off x="3871286" y="3693253"/>
+            <a:ext cx="331066" cy="363594"/>
+          </a:xfrm>
+          <a:prstGeom prst="rect">
+            <a:avLst/>
+          </a:prstGeom>
+          <a:noFill/>
+        </p:spPr>
+        <p:txBody>
+          <a:bodyPr wrap="none" rtlCol="0">
+            <a:spAutoFit/>
+          </a:bodyPr>
+          <a:lstStyle/>
+          <a:p>
+            <a:r>
+              <a:rPr lang="en-US" altLang="zh-CN" sz="2800" dirty="0">
+                <a:latin typeface="微软雅黑" panose="020B0503020204020204" pitchFamily="34" charset="-122"/>
+                <a:ea typeface="微软雅黑" panose="020B0503020204020204" pitchFamily="34" charset="-122"/>
+              </a:rPr>
+              <a:t>…</a:t>
+            </a:r>
+            <a:endParaRPr lang="zh-CN" altLang="en-US" sz="2800" dirty="0">
+              <a:latin typeface="微软雅黑" panose="020B0503020204020204" pitchFamily="34" charset="-122"/>
+              <a:ea typeface="微软雅黑" panose="020B0503020204020204" pitchFamily="34" charset="-122"/>
+            </a:endParaRPr>
+          </a:p>
+        </p:txBody>
+      </p:sp>
+      <p:cxnSp>
+        <p:nvCxnSpPr>
+          <p:cNvPr id="28" name="直接连接符 27">
+            <a:extLst>
+              <a:ext uri="{FF2B5EF4-FFF2-40B4-BE49-F238E27FC236}">
+                <a16:creationId xmlns:a16="http://schemas.microsoft.com/office/drawing/2014/main" id="{7E94B726-6EF2-7E84-A62D-6AE8F122B191}"/>
+              </a:ext>
+            </a:extLst>
+          </p:cNvPr>
+          <p:cNvCxnSpPr>
+            <a:cxnSpLocks/>
+            <a:stCxn id="18" idx="6"/>
+          </p:cNvCxnSpPr>
+          <p:nvPr/>
+        </p:nvCxnSpPr>
+        <p:spPr>
+          <a:xfrm>
+            <a:off x="7636752" y="3776575"/>
+            <a:ext cx="556316" cy="5044"/>
+          </a:xfrm>
+          <a:prstGeom prst="line">
+            <a:avLst/>
+          </a:prstGeom>
+          <a:ln w="28575">
+            <a:solidFill>
+              <a:schemeClr val="tx1"/>
+            </a:solidFill>
+          </a:ln>
+        </p:spPr>
+        <p:style>
+          <a:lnRef idx="1">
+            <a:schemeClr val="accent1"/>
+          </a:lnRef>
+          <a:fillRef idx="0">
+            <a:schemeClr val="accent1"/>
+          </a:fillRef>
+          <a:effectRef idx="0">
+            <a:schemeClr val="accent1"/>
+          </a:effectRef>
+          <a:fontRef idx="minor">
+            <a:schemeClr val="tx1"/>
+          </a:fontRef>
+        </p:style>
+      </p:cxnSp>
+      <p:sp>
+        <p:nvSpPr>
+          <p:cNvPr id="33" name="椭圆 32">
+            <a:extLst>
+              <a:ext uri="{FF2B5EF4-FFF2-40B4-BE49-F238E27FC236}">
+                <a16:creationId xmlns:a16="http://schemas.microsoft.com/office/drawing/2014/main" id="{7300B955-9D72-027A-D925-346377ABBA49}"/>
+              </a:ext>
+            </a:extLst>
+          </p:cNvPr>
+          <p:cNvSpPr/>
+          <p:nvPr/>
+        </p:nvSpPr>
+        <p:spPr>
+          <a:xfrm>
+            <a:off x="5863685" y="1875476"/>
+            <a:ext cx="910280" cy="910280"/>
+          </a:xfrm>
+          <a:prstGeom prst="ellipse">
+            <a:avLst/>
+          </a:prstGeom>
+          <a:solidFill>
+            <a:schemeClr val="bg1"/>
+          </a:solidFill>
+          <a:ln w="28575">
+            <a:solidFill>
+              <a:schemeClr val="tx1"/>
+            </a:solidFill>
+          </a:ln>
+        </p:spPr>
+        <p:style>
+          <a:lnRef idx="2">
+            <a:schemeClr val="accent1">
+              <a:shade val="15000"/>
+            </a:schemeClr>
+          </a:lnRef>
+          <a:fillRef idx="1">
+            <a:schemeClr val="accent1"/>
+          </a:fillRef>
+          <a:effectRef idx="0">
+            <a:schemeClr val="accent1"/>
+          </a:effectRef>
+          <a:fontRef idx="minor">
+            <a:schemeClr val="lt1"/>
+          </a:fontRef>
+        </p:style>
+        <p:txBody>
+          <a:bodyPr rtlCol="0" anchor="ctr"/>
+          <a:lstStyle/>
+          <a:p>
+            <a:pPr algn="ctr"/>
+            <a:endParaRPr lang="zh-CN" altLang="en-US"/>
+          </a:p>
+        </p:txBody>
+      </p:sp>
+      <p:graphicFrame>
+        <p:nvGraphicFramePr>
+          <p:cNvPr id="7" name="对象 6">
+            <a:extLst>
+              <a:ext uri="{FF2B5EF4-FFF2-40B4-BE49-F238E27FC236}">
+                <a16:creationId xmlns:a16="http://schemas.microsoft.com/office/drawing/2014/main" id="{A4ED8A7C-1373-C1C2-08AE-7679E3D5C650}"/>
+              </a:ext>
+            </a:extLst>
+          </p:cNvPr>
+          <p:cNvGraphicFramePr>
+            <a:graphicFrameLocks noChangeAspect="1"/>
+          </p:cNvGraphicFramePr>
+          <p:nvPr>
+            <p:extLst>
+              <p:ext uri="{D42A27DB-BD31-4B8C-83A1-F6EECF244321}">
+                <p14:modId xmlns:p14="http://schemas.microsoft.com/office/powerpoint/2010/main" val="2847944148"/>
+              </p:ext>
+            </p:extLst>
+          </p:nvPr>
+        </p:nvGraphicFramePr>
+        <p:xfrm>
+          <a:off x="6177302" y="2022829"/>
+          <a:ext cx="329851" cy="615574"/>
+        </p:xfrm>
+        <a:graphic>
+          <a:graphicData uri="http://schemas.openxmlformats.org/presentationml/2006/ole">
+            <mc:AlternateContent xmlns:mc="http://schemas.openxmlformats.org/markup-compatibility/2006">
+              <mc:Choice xmlns:v="urn:schemas-microsoft-com:vml" Requires="v">
+                <p:oleObj name="AxMath" r:id="rId8" imgW="101520" imgH="189720" progId="Equation.AxMath">
+                  <p:embed/>
+                </p:oleObj>
+              </mc:Choice>
+              <mc:Fallback>
+                <p:oleObj name="AxMath" r:id="rId8" imgW="101520" imgH="189720" progId="Equation.AxMath">
+                  <p:embed/>
+                  <p:pic>
+                    <p:nvPicPr>
+                      <p:cNvPr id="6" name="对象 5">
+                        <a:extLst>
+                          <a:ext uri="{FF2B5EF4-FFF2-40B4-BE49-F238E27FC236}">
+                            <a16:creationId xmlns:a16="http://schemas.microsoft.com/office/drawing/2014/main" id="{F9CD3D7A-F7F2-C11D-BDFD-4415C0DE1ABC}"/>
+                          </a:ext>
+                        </a:extLst>
+                      </p:cNvPr>
+                      <p:cNvPicPr/>
+                      <p:nvPr/>
+                    </p:nvPicPr>
+                    <p:blipFill>
+                      <a:blip r:embed="rId9"/>
+                      <a:stretch>
+                        <a:fillRect/>
+                      </a:stretch>
+                    </p:blipFill>
+                    <p:spPr>
+                      <a:xfrm>
+                        <a:off x="6177302" y="2022829"/>
+                        <a:ext cx="329851" cy="615574"/>
+                      </a:xfrm>
+                      <a:prstGeom prst="rect">
+                        <a:avLst/>
+                      </a:prstGeom>
+                    </p:spPr>
+                  </p:pic>
+                </p:oleObj>
+              </mc:Fallback>
+            </mc:AlternateContent>
+          </a:graphicData>
+        </a:graphic>
+      </p:graphicFrame>
+      <p:graphicFrame>
+        <p:nvGraphicFramePr>
+          <p:cNvPr id="37" name="对象 36">
+            <a:extLst>
+              <a:ext uri="{FF2B5EF4-FFF2-40B4-BE49-F238E27FC236}">
+                <a16:creationId xmlns:a16="http://schemas.microsoft.com/office/drawing/2014/main" id="{C8CC240A-6533-991B-B23A-2774C82D5F86}"/>
+              </a:ext>
+            </a:extLst>
+          </p:cNvPr>
+          <p:cNvGraphicFramePr>
+            <a:graphicFrameLocks noChangeAspect="1"/>
+          </p:cNvGraphicFramePr>
+          <p:nvPr>
+            <p:extLst>
+              <p:ext uri="{D42A27DB-BD31-4B8C-83A1-F6EECF244321}">
+                <p14:modId xmlns:p14="http://schemas.microsoft.com/office/powerpoint/2010/main" val="361554481"/>
+              </p:ext>
+            </p:extLst>
+          </p:nvPr>
+        </p:nvGraphicFramePr>
+        <p:xfrm>
+          <a:off x="6876166" y="1758162"/>
+          <a:ext cx="308890" cy="615574"/>
+        </p:xfrm>
+        <a:graphic>
+          <a:graphicData uri="http://schemas.openxmlformats.org/presentationml/2006/ole">
+            <mc:AlternateContent xmlns:mc="http://schemas.openxmlformats.org/markup-compatibility/2006">
+              <mc:Choice xmlns:v="urn:schemas-microsoft-com:vml" Requires="v">
+                <p:oleObj name="AxMath" r:id="rId10" imgW="95040" imgH="189720" progId="Equation.AxMath">
+                  <p:embed/>
+                </p:oleObj>
+              </mc:Choice>
+              <mc:Fallback>
+                <p:oleObj name="AxMath" r:id="rId10" imgW="95040" imgH="189720" progId="Equation.AxMath">
+                  <p:embed/>
+                  <p:pic>
+                    <p:nvPicPr>
+                      <p:cNvPr id="7" name="对象 6">
+                        <a:extLst>
+                          <a:ext uri="{FF2B5EF4-FFF2-40B4-BE49-F238E27FC236}">
+                            <a16:creationId xmlns:a16="http://schemas.microsoft.com/office/drawing/2014/main" id="{A4ED8A7C-1373-C1C2-08AE-7679E3D5C650}"/>
+                          </a:ext>
+                        </a:extLst>
+                      </p:cNvPr>
+                      <p:cNvPicPr/>
+                      <p:nvPr/>
+                    </p:nvPicPr>
+                    <p:blipFill>
+                      <a:blip r:embed="rId11"/>
+                      <a:stretch>
+                        <a:fillRect/>
+                      </a:stretch>
+                    </p:blipFill>
+                    <p:spPr>
+                      <a:xfrm>
+                        <a:off x="6876166" y="1758162"/>
+                        <a:ext cx="308890" cy="615574"/>
+                      </a:xfrm>
+                      <a:prstGeom prst="rect">
+                        <a:avLst/>
+                      </a:prstGeom>
+                    </p:spPr>
+                  </p:pic>
+                </p:oleObj>
+              </mc:Fallback>
+            </mc:AlternateContent>
+          </a:graphicData>
+        </a:graphic>
+      </p:graphicFrame>
+      <p:graphicFrame>
+        <p:nvGraphicFramePr>
+          <p:cNvPr id="38" name="对象 37">
+            <a:extLst>
+              <a:ext uri="{FF2B5EF4-FFF2-40B4-BE49-F238E27FC236}">
+                <a16:creationId xmlns:a16="http://schemas.microsoft.com/office/drawing/2014/main" id="{EB6D72FC-3539-3F8B-099D-161AE7110A32}"/>
+              </a:ext>
+            </a:extLst>
+          </p:cNvPr>
+          <p:cNvGraphicFramePr>
+            <a:graphicFrameLocks noChangeAspect="1"/>
+          </p:cNvGraphicFramePr>
+          <p:nvPr>
+            <p:extLst>
+              <p:ext uri="{D42A27DB-BD31-4B8C-83A1-F6EECF244321}">
+                <p14:modId xmlns:p14="http://schemas.microsoft.com/office/powerpoint/2010/main" val="1749070225"/>
+              </p:ext>
+            </p:extLst>
+          </p:nvPr>
+        </p:nvGraphicFramePr>
+        <p:xfrm>
+          <a:off x="5802313" y="1370013"/>
+          <a:ext cx="296862" cy="615950"/>
+        </p:xfrm>
+        <a:graphic>
+          <a:graphicData uri="http://schemas.openxmlformats.org/presentationml/2006/ole">
+            <mc:AlternateContent xmlns:mc="http://schemas.openxmlformats.org/markup-compatibility/2006">
+              <mc:Choice xmlns:v="urn:schemas-microsoft-com:vml" Requires="v">
+                <p:oleObj name="AxMath" r:id="rId12" imgW="92160" imgH="189720" progId="Equation.AxMath">
+                  <p:embed/>
+                </p:oleObj>
+              </mc:Choice>
+              <mc:Fallback>
+                <p:oleObj name="AxMath" r:id="rId12" imgW="92160" imgH="189720" progId="Equation.AxMath">
+                  <p:embed/>
+                  <p:pic>
+                    <p:nvPicPr>
+                      <p:cNvPr id="37" name="对象 36">
+                        <a:extLst>
+                          <a:ext uri="{FF2B5EF4-FFF2-40B4-BE49-F238E27FC236}">
+                            <a16:creationId xmlns:a16="http://schemas.microsoft.com/office/drawing/2014/main" id="{C8CC240A-6533-991B-B23A-2774C82D5F86}"/>
+                          </a:ext>
+                        </a:extLst>
+                      </p:cNvPr>
+                      <p:cNvPicPr/>
+                      <p:nvPr/>
+                    </p:nvPicPr>
+                    <p:blipFill>
+                      <a:blip r:embed="rId13"/>
+                      <a:stretch>
+                        <a:fillRect/>
+                      </a:stretch>
+                    </p:blipFill>
+                    <p:spPr>
+                      <a:xfrm>
+                        <a:off x="5802313" y="1370013"/>
+                        <a:ext cx="296862" cy="615950"/>
+                      </a:xfrm>
+                      <a:prstGeom prst="rect">
+                        <a:avLst/>
+                      </a:prstGeom>
+                    </p:spPr>
+                  </p:pic>
+                </p:oleObj>
+              </mc:Fallback>
+            </mc:AlternateContent>
+          </a:graphicData>
+        </a:graphic>
+      </p:graphicFrame>
+      <p:graphicFrame>
+        <p:nvGraphicFramePr>
+          <p:cNvPr id="40" name="对象 39">
+            <a:extLst>
+              <a:ext uri="{FF2B5EF4-FFF2-40B4-BE49-F238E27FC236}">
+                <a16:creationId xmlns:a16="http://schemas.microsoft.com/office/drawing/2014/main" id="{4AD85704-AAC3-8DE7-E9D2-1F6DC9CCDB0F}"/>
+              </a:ext>
+            </a:extLst>
+          </p:cNvPr>
+          <p:cNvGraphicFramePr>
+            <a:graphicFrameLocks noChangeAspect="1"/>
+          </p:cNvGraphicFramePr>
+          <p:nvPr>
+            <p:extLst>
+              <p:ext uri="{D42A27DB-BD31-4B8C-83A1-F6EECF244321}">
+                <p14:modId xmlns:p14="http://schemas.microsoft.com/office/powerpoint/2010/main" val="599588468"/>
+              </p:ext>
+            </p:extLst>
+          </p:nvPr>
+        </p:nvGraphicFramePr>
+        <p:xfrm>
+          <a:off x="5338166" y="2946355"/>
+          <a:ext cx="298961" cy="615574"/>
+        </p:xfrm>
+        <a:graphic>
+          <a:graphicData uri="http://schemas.openxmlformats.org/presentationml/2006/ole">
+            <mc:AlternateContent xmlns:mc="http://schemas.openxmlformats.org/markup-compatibility/2006">
+              <mc:Choice xmlns:v="urn:schemas-microsoft-com:vml" Requires="v">
+                <p:oleObj name="AxMath" r:id="rId14" imgW="92160" imgH="189720" progId="Equation.AxMath">
+                  <p:embed/>
+                </p:oleObj>
+              </mc:Choice>
+              <mc:Fallback>
+                <p:oleObj name="AxMath" r:id="rId14" imgW="92160" imgH="189720" progId="Equation.AxMath">
+                  <p:embed/>
+                  <p:pic>
+                    <p:nvPicPr>
+                      <p:cNvPr id="39" name="对象 38">
+                        <a:extLst>
+                          <a:ext uri="{FF2B5EF4-FFF2-40B4-BE49-F238E27FC236}">
+                            <a16:creationId xmlns:a16="http://schemas.microsoft.com/office/drawing/2014/main" id="{E18FC064-CEDE-15E6-5308-BC27628927DA}"/>
+                          </a:ext>
+                        </a:extLst>
+                      </p:cNvPr>
+                      <p:cNvPicPr/>
+                      <p:nvPr/>
+                    </p:nvPicPr>
+                    <p:blipFill>
+                      <a:blip r:embed="rId13"/>
+                      <a:stretch>
+                        <a:fillRect/>
+                      </a:stretch>
+                    </p:blipFill>
+                    <p:spPr>
+                      <a:xfrm>
+                        <a:off x="5338166" y="2946355"/>
+                        <a:ext cx="298961" cy="615574"/>
+                      </a:xfrm>
+                      <a:prstGeom prst="rect">
+                        <a:avLst/>
+                      </a:prstGeom>
+                    </p:spPr>
+                  </p:pic>
+                </p:oleObj>
+              </mc:Fallback>
+            </mc:AlternateContent>
+          </a:graphicData>
+        </a:graphic>
+      </p:graphicFrame>
+      <p:graphicFrame>
+        <p:nvGraphicFramePr>
+          <p:cNvPr id="41" name="对象 40">
+            <a:extLst>
+              <a:ext uri="{FF2B5EF4-FFF2-40B4-BE49-F238E27FC236}">
+                <a16:creationId xmlns:a16="http://schemas.microsoft.com/office/drawing/2014/main" id="{06F29F5B-7E1A-C6CB-D120-7BB37A7CBF9A}"/>
+              </a:ext>
+            </a:extLst>
+          </p:cNvPr>
+          <p:cNvGraphicFramePr>
+            <a:graphicFrameLocks noChangeAspect="1"/>
+          </p:cNvGraphicFramePr>
+          <p:nvPr>
+            <p:extLst>
+              <p:ext uri="{D42A27DB-BD31-4B8C-83A1-F6EECF244321}">
+                <p14:modId xmlns:p14="http://schemas.microsoft.com/office/powerpoint/2010/main" val="2302207982"/>
+              </p:ext>
+            </p:extLst>
+          </p:nvPr>
+        </p:nvGraphicFramePr>
+        <p:xfrm>
+          <a:off x="6423694" y="2946355"/>
+          <a:ext cx="308890" cy="615574"/>
+        </p:xfrm>
+        <a:graphic>
+          <a:graphicData uri="http://schemas.openxmlformats.org/presentationml/2006/ole">
+            <mc:AlternateContent xmlns:mc="http://schemas.openxmlformats.org/markup-compatibility/2006">
+              <mc:Choice xmlns:v="urn:schemas-microsoft-com:vml" Requires="v">
+                <p:oleObj name="AxMath" r:id="rId15" imgW="95400" imgH="189720" progId="Equation.AxMath">
+                  <p:embed/>
+                </p:oleObj>
+              </mc:Choice>
+              <mc:Fallback>
+                <p:oleObj name="AxMath" r:id="rId15" imgW="95400" imgH="189720" progId="Equation.AxMath">
+                  <p:embed/>
+                  <p:pic>
+                    <p:nvPicPr>
+                      <p:cNvPr id="40" name="对象 39">
+                        <a:extLst>
+                          <a:ext uri="{FF2B5EF4-FFF2-40B4-BE49-F238E27FC236}">
+                            <a16:creationId xmlns:a16="http://schemas.microsoft.com/office/drawing/2014/main" id="{4AD85704-AAC3-8DE7-E9D2-1F6DC9CCDB0F}"/>
+                          </a:ext>
+                        </a:extLst>
+                      </p:cNvPr>
+                      <p:cNvPicPr/>
+                      <p:nvPr/>
+                    </p:nvPicPr>
+                    <p:blipFill>
+                      <a:blip r:embed="rId16"/>
+                      <a:stretch>
+                        <a:fillRect/>
+                      </a:stretch>
+                    </p:blipFill>
+                    <p:spPr>
+                      <a:xfrm>
+                        <a:off x="6423694" y="2946355"/>
+                        <a:ext cx="308890" cy="615574"/>
+                      </a:xfrm>
+                      <a:prstGeom prst="rect">
+                        <a:avLst/>
+                      </a:prstGeom>
+                    </p:spPr>
+                  </p:pic>
+                </p:oleObj>
+              </mc:Fallback>
+            </mc:AlternateContent>
+          </a:graphicData>
+        </a:graphic>
+      </p:graphicFrame>
+      <p:cxnSp>
+        <p:nvCxnSpPr>
+          <p:cNvPr id="43" name="直接连接符 42">
+            <a:extLst>
+              <a:ext uri="{FF2B5EF4-FFF2-40B4-BE49-F238E27FC236}">
+                <a16:creationId xmlns:a16="http://schemas.microsoft.com/office/drawing/2014/main" id="{C5B5E5F6-A197-1FAA-7520-CEE831162652}"/>
+              </a:ext>
+            </a:extLst>
+          </p:cNvPr>
+          <p:cNvCxnSpPr>
+            <a:cxnSpLocks/>
+            <a:stCxn id="19" idx="6"/>
+            <a:endCxn id="18" idx="2"/>
+          </p:cNvCxnSpPr>
+          <p:nvPr/>
+        </p:nvCxnSpPr>
+        <p:spPr>
+          <a:xfrm>
+            <a:off x="6481628" y="3776575"/>
+            <a:ext cx="244844" cy="0"/>
+          </a:xfrm>
+          <a:prstGeom prst="line">
+            <a:avLst/>
+          </a:prstGeom>
+          <a:ln w="28575">
+            <a:solidFill>
+              <a:schemeClr val="tx1"/>
+            </a:solidFill>
+          </a:ln>
+        </p:spPr>
+        <p:style>
+          <a:lnRef idx="1">
+            <a:schemeClr val="accent1"/>
+          </a:lnRef>
+          <a:fillRef idx="0">
+            <a:schemeClr val="accent1"/>
+          </a:fillRef>
+          <a:effectRef idx="0">
+            <a:schemeClr val="accent1"/>
+          </a:effectRef>
+          <a:fontRef idx="minor">
+            <a:schemeClr val="tx1"/>
+          </a:fontRef>
+        </p:style>
+      </p:cxnSp>
+      <p:cxnSp>
+        <p:nvCxnSpPr>
+          <p:cNvPr id="46" name="直接连接符 45">
+            <a:extLst>
+              <a:ext uri="{FF2B5EF4-FFF2-40B4-BE49-F238E27FC236}">
+                <a16:creationId xmlns:a16="http://schemas.microsoft.com/office/drawing/2014/main" id="{CC6C93B0-3D1C-C036-8FE5-18DA5FBD2A10}"/>
+              </a:ext>
+            </a:extLst>
+          </p:cNvPr>
+          <p:cNvCxnSpPr>
+            <a:cxnSpLocks/>
+            <a:stCxn id="20" idx="6"/>
+            <a:endCxn id="19" idx="2"/>
+          </p:cNvCxnSpPr>
+          <p:nvPr/>
+        </p:nvCxnSpPr>
+        <p:spPr>
+          <a:xfrm>
+            <a:off x="5326504" y="3776575"/>
+            <a:ext cx="244844" cy="0"/>
+          </a:xfrm>
+          <a:prstGeom prst="line">
+            <a:avLst/>
+          </a:prstGeom>
+          <a:ln w="28575">
+            <a:solidFill>
+              <a:schemeClr val="tx1"/>
+            </a:solidFill>
+          </a:ln>
+        </p:spPr>
+        <p:style>
+          <a:lnRef idx="1">
+            <a:schemeClr val="accent1"/>
+          </a:lnRef>
+          <a:fillRef idx="0">
+            <a:schemeClr val="accent1"/>
+          </a:fillRef>
+          <a:effectRef idx="0">
+            <a:schemeClr val="accent1"/>
+          </a:effectRef>
+          <a:fontRef idx="minor">
+            <a:schemeClr val="tx1"/>
+          </a:fontRef>
+        </p:style>
+      </p:cxnSp>
+      <p:graphicFrame>
+        <p:nvGraphicFramePr>
+          <p:cNvPr id="49" name="对象 48">
+            <a:extLst>
+              <a:ext uri="{FF2B5EF4-FFF2-40B4-BE49-F238E27FC236}">
+                <a16:creationId xmlns:a16="http://schemas.microsoft.com/office/drawing/2014/main" id="{D465E4BE-53CC-98B4-4D1D-1425D5D582DA}"/>
+              </a:ext>
+            </a:extLst>
+          </p:cNvPr>
+          <p:cNvGraphicFramePr>
+            <a:graphicFrameLocks noChangeAspect="1"/>
+          </p:cNvGraphicFramePr>
+          <p:nvPr>
+            <p:extLst>
+              <p:ext uri="{D42A27DB-BD31-4B8C-83A1-F6EECF244321}">
+                <p14:modId xmlns:p14="http://schemas.microsoft.com/office/powerpoint/2010/main" val="1628267436"/>
+              </p:ext>
+            </p:extLst>
+          </p:nvPr>
+        </p:nvGraphicFramePr>
+        <p:xfrm>
+          <a:off x="7760465" y="3161001"/>
+          <a:ext cx="308890" cy="615574"/>
+        </p:xfrm>
+        <a:graphic>
+          <a:graphicData uri="http://schemas.openxmlformats.org/presentationml/2006/ole">
+            <mc:AlternateContent xmlns:mc="http://schemas.openxmlformats.org/markup-compatibility/2006">
+              <mc:Choice xmlns:v="urn:schemas-microsoft-com:vml" Requires="v">
+                <p:oleObj name="AxMath" r:id="rId17" imgW="95040" imgH="189720" progId="Equation.AxMath">
+                  <p:embed/>
+                </p:oleObj>
+              </mc:Choice>
+              <mc:Fallback>
+                <p:oleObj name="AxMath" r:id="rId17" imgW="95040" imgH="189720" progId="Equation.AxMath">
+                  <p:embed/>
+                  <p:pic>
+                    <p:nvPicPr>
+                      <p:cNvPr id="37" name="对象 36">
+                        <a:extLst>
+                          <a:ext uri="{FF2B5EF4-FFF2-40B4-BE49-F238E27FC236}">
+                            <a16:creationId xmlns:a16="http://schemas.microsoft.com/office/drawing/2014/main" id="{C8CC240A-6533-991B-B23A-2774C82D5F86}"/>
+                          </a:ext>
+                        </a:extLst>
+                      </p:cNvPr>
+                      <p:cNvPicPr/>
+                      <p:nvPr/>
+                    </p:nvPicPr>
+                    <p:blipFill>
+                      <a:blip r:embed="rId11"/>
+                      <a:stretch>
+                        <a:fillRect/>
+                      </a:stretch>
+                    </p:blipFill>
+                    <p:spPr>
+                      <a:xfrm>
+                        <a:off x="7760465" y="3161001"/>
+                        <a:ext cx="308890" cy="615574"/>
+                      </a:xfrm>
+                      <a:prstGeom prst="rect">
+                        <a:avLst/>
+                      </a:prstGeom>
+                    </p:spPr>
+                  </p:pic>
+                </p:oleObj>
+              </mc:Fallback>
+            </mc:AlternateContent>
+          </a:graphicData>
+        </a:graphic>
+      </p:graphicFrame>
+      <p:sp>
+        <p:nvSpPr>
+          <p:cNvPr id="50" name="文本框 49">
+            <a:extLst>
+              <a:ext uri="{FF2B5EF4-FFF2-40B4-BE49-F238E27FC236}">
+                <a16:creationId xmlns:a16="http://schemas.microsoft.com/office/drawing/2014/main" id="{F0D8C2EC-FD7F-C950-4D47-61A2917F021C}"/>
+              </a:ext>
+            </a:extLst>
+          </p:cNvPr>
+          <p:cNvSpPr txBox="1"/>
+          <p:nvPr/>
+        </p:nvSpPr>
+        <p:spPr>
+          <a:xfrm>
+            <a:off x="7374646" y="1961847"/>
+            <a:ext cx="331066" cy="363594"/>
+          </a:xfrm>
+          <a:prstGeom prst="rect">
+            <a:avLst/>
+          </a:prstGeom>
+          <a:noFill/>
+        </p:spPr>
+        <p:txBody>
+          <a:bodyPr wrap="none" rtlCol="0">
+            <a:spAutoFit/>
+          </a:bodyPr>
+          <a:lstStyle/>
+          <a:p>
+            <a:r>
+              <a:rPr lang="en-US" altLang="zh-CN" sz="2800" dirty="0">
+                <a:latin typeface="微软雅黑" panose="020B0503020204020204" pitchFamily="34" charset="-122"/>
+                <a:ea typeface="微软雅黑" panose="020B0503020204020204" pitchFamily="34" charset="-122"/>
+              </a:rPr>
+              <a:t>…</a:t>
+            </a:r>
+            <a:endParaRPr lang="zh-CN" altLang="en-US" sz="2800" dirty="0">
+              <a:latin typeface="微软雅黑" panose="020B0503020204020204" pitchFamily="34" charset="-122"/>
+              <a:ea typeface="微软雅黑" panose="020B0503020204020204" pitchFamily="34" charset="-122"/>
+            </a:endParaRPr>
+          </a:p>
+        </p:txBody>
+      </p:sp>
+      <p:graphicFrame>
+        <p:nvGraphicFramePr>
+          <p:cNvPr id="51" name="对象 50">
+            <a:extLst>
+              <a:ext uri="{FF2B5EF4-FFF2-40B4-BE49-F238E27FC236}">
+                <a16:creationId xmlns:a16="http://schemas.microsoft.com/office/drawing/2014/main" id="{C55D163C-A739-2D16-0579-E3159D2A5302}"/>
+              </a:ext>
+            </a:extLst>
+          </p:cNvPr>
+          <p:cNvGraphicFramePr>
+            <a:graphicFrameLocks noChangeAspect="1"/>
+          </p:cNvGraphicFramePr>
+          <p:nvPr>
+            <p:extLst>
+              <p:ext uri="{D42A27DB-BD31-4B8C-83A1-F6EECF244321}">
+                <p14:modId xmlns:p14="http://schemas.microsoft.com/office/powerpoint/2010/main" val="3325796222"/>
+              </p:ext>
+            </p:extLst>
+          </p:nvPr>
+        </p:nvGraphicFramePr>
+        <p:xfrm>
+          <a:off x="7868459" y="2065602"/>
+          <a:ext cx="365125" cy="614363"/>
+        </p:xfrm>
+        <a:graphic>
+          <a:graphicData uri="http://schemas.openxmlformats.org/presentationml/2006/ole">
+            <mc:AlternateContent xmlns:mc="http://schemas.openxmlformats.org/markup-compatibility/2006">
+              <mc:Choice xmlns:v="urn:schemas-microsoft-com:vml" Requires="v">
+                <p:oleObj name="AxMath" r:id="rId18" imgW="112320" imgH="189720" progId="Equation.AxMath">
+                  <p:embed/>
+                </p:oleObj>
+              </mc:Choice>
+              <mc:Fallback>
+                <p:oleObj name="AxMath" r:id="rId18" imgW="112320" imgH="189720" progId="Equation.AxMath">
+                  <p:embed/>
+                  <p:pic>
+                    <p:nvPicPr>
+                      <p:cNvPr id="37" name="对象 36">
+                        <a:extLst>
+                          <a:ext uri="{FF2B5EF4-FFF2-40B4-BE49-F238E27FC236}">
+                            <a16:creationId xmlns:a16="http://schemas.microsoft.com/office/drawing/2014/main" id="{C8CC240A-6533-991B-B23A-2774C82D5F86}"/>
+                          </a:ext>
+                        </a:extLst>
+                      </p:cNvPr>
+                      <p:cNvPicPr/>
+                      <p:nvPr/>
+                    </p:nvPicPr>
+                    <p:blipFill>
+                      <a:blip r:embed="rId19"/>
+                      <a:stretch>
+                        <a:fillRect/>
+                      </a:stretch>
+                    </p:blipFill>
+                    <p:spPr>
+                      <a:xfrm>
+                        <a:off x="7868459" y="2065602"/>
+                        <a:ext cx="365125" cy="614363"/>
+                      </a:xfrm>
+                      <a:prstGeom prst="rect">
+                        <a:avLst/>
+                      </a:prstGeom>
+                    </p:spPr>
+                  </p:pic>
+                </p:oleObj>
+              </mc:Fallback>
+            </mc:AlternateContent>
+          </a:graphicData>
+        </a:graphic>
+      </p:graphicFrame>
+      <p:sp>
+        <p:nvSpPr>
+          <p:cNvPr id="52" name="文本框 51">
+            <a:extLst>
+              <a:ext uri="{FF2B5EF4-FFF2-40B4-BE49-F238E27FC236}">
+                <a16:creationId xmlns:a16="http://schemas.microsoft.com/office/drawing/2014/main" id="{768C015F-5A35-B67D-B183-69ADE9F6D566}"/>
+              </a:ext>
+            </a:extLst>
+          </p:cNvPr>
+          <p:cNvSpPr txBox="1"/>
+          <p:nvPr/>
+        </p:nvSpPr>
+        <p:spPr>
+          <a:xfrm>
+            <a:off x="8224287" y="3380132"/>
+            <a:ext cx="331066" cy="363594"/>
+          </a:xfrm>
+          <a:prstGeom prst="rect">
+            <a:avLst/>
+          </a:prstGeom>
+          <a:noFill/>
+        </p:spPr>
+        <p:txBody>
+          <a:bodyPr wrap="none" rtlCol="0">
+            <a:spAutoFit/>
+          </a:bodyPr>
+          <a:lstStyle/>
+          <a:p>
+            <a:r>
+              <a:rPr lang="en-US" altLang="zh-CN" sz="2800" dirty="0">
+                <a:latin typeface="微软雅黑" panose="020B0503020204020204" pitchFamily="34" charset="-122"/>
+                <a:ea typeface="微软雅黑" panose="020B0503020204020204" pitchFamily="34" charset="-122"/>
+              </a:rPr>
+              <a:t>…</a:t>
+            </a:r>
+            <a:endParaRPr lang="zh-CN" altLang="en-US" sz="2800" dirty="0">
+              <a:latin typeface="微软雅黑" panose="020B0503020204020204" pitchFamily="34" charset="-122"/>
+              <a:ea typeface="微软雅黑" panose="020B0503020204020204" pitchFamily="34" charset="-122"/>
+            </a:endParaRPr>
+          </a:p>
+        </p:txBody>
+      </p:sp>
+      <p:graphicFrame>
+        <p:nvGraphicFramePr>
+          <p:cNvPr id="53" name="对象 52">
+            <a:extLst>
+              <a:ext uri="{FF2B5EF4-FFF2-40B4-BE49-F238E27FC236}">
+                <a16:creationId xmlns:a16="http://schemas.microsoft.com/office/drawing/2014/main" id="{9642D94C-5443-CFC1-ACED-6E30E9E06DDA}"/>
+              </a:ext>
+            </a:extLst>
+          </p:cNvPr>
+          <p:cNvGraphicFramePr>
+            <a:graphicFrameLocks noChangeAspect="1"/>
+          </p:cNvGraphicFramePr>
+          <p:nvPr>
+            <p:extLst>
+              <p:ext uri="{D42A27DB-BD31-4B8C-83A1-F6EECF244321}">
+                <p14:modId xmlns:p14="http://schemas.microsoft.com/office/powerpoint/2010/main" val="3057069022"/>
+              </p:ext>
+            </p:extLst>
+          </p:nvPr>
+        </p:nvGraphicFramePr>
+        <p:xfrm>
+          <a:off x="8718100" y="3483887"/>
+          <a:ext cx="365125" cy="614363"/>
+        </p:xfrm>
+        <a:graphic>
+          <a:graphicData uri="http://schemas.openxmlformats.org/presentationml/2006/ole">
+            <mc:AlternateContent xmlns:mc="http://schemas.openxmlformats.org/markup-compatibility/2006">
+              <mc:Choice xmlns:v="urn:schemas-microsoft-com:vml" Requires="v">
+                <p:oleObj name="AxMath" r:id="rId20" imgW="112320" imgH="189720" progId="Equation.AxMath">
+                  <p:embed/>
+                </p:oleObj>
+              </mc:Choice>
+              <mc:Fallback>
+                <p:oleObj name="AxMath" r:id="rId20" imgW="112320" imgH="189720" progId="Equation.AxMath">
+                  <p:embed/>
+                  <p:pic>
+                    <p:nvPicPr>
+                      <p:cNvPr id="51" name="对象 50">
+                        <a:extLst>
+                          <a:ext uri="{FF2B5EF4-FFF2-40B4-BE49-F238E27FC236}">
+                            <a16:creationId xmlns:a16="http://schemas.microsoft.com/office/drawing/2014/main" id="{C55D163C-A739-2D16-0579-E3159D2A5302}"/>
+                          </a:ext>
+                        </a:extLst>
+                      </p:cNvPr>
+                      <p:cNvPicPr/>
+                      <p:nvPr/>
+                    </p:nvPicPr>
+                    <p:blipFill>
+                      <a:blip r:embed="rId21"/>
+                      <a:stretch>
+                        <a:fillRect/>
+                      </a:stretch>
+                    </p:blipFill>
+                    <p:spPr>
+                      <a:xfrm>
+                        <a:off x="8718100" y="3483887"/>
+                        <a:ext cx="365125" cy="614363"/>
+                      </a:xfrm>
+                      <a:prstGeom prst="rect">
+                        <a:avLst/>
+                      </a:prstGeom>
+                    </p:spPr>
+                  </p:pic>
+                </p:oleObj>
+              </mc:Fallback>
+            </mc:AlternateContent>
+          </a:graphicData>
+        </a:graphic>
+      </p:graphicFrame>
+    </p:spTree>
+    <p:extLst>
+      <p:ext uri="{BB962C8B-B14F-4D97-AF65-F5344CB8AC3E}">
+        <p14:creationId xmlns:p14="http://schemas.microsoft.com/office/powerpoint/2010/main" val="3211913554"/>
+      </p:ext>
+    </p:extLst>
+  </p:cSld>
+  <p:clrMapOvr>
+    <a:masterClrMapping/>
+  </p:clrMapOvr>
+</p:sld>
+</file>
+
 <file path=ppt/theme/theme1.xml><?xml version="1.0" encoding="utf-8"?>
 <a:theme xmlns:a="http://schemas.openxmlformats.org/drawingml/2006/main" name="Office 主题​​">
   <a:themeElements>
